--- a/unit1_build_aosp_for_pi/build_aosp.pptx
+++ b/unit1_build_aosp_for_pi/build_aosp.pptx
@@ -4153,7 +4153,366 @@
           <a:bodyPr/>
           <a:lstStyle/>
           <a:p>
-            <a:endParaRPr lang="en-US"/>
+            <a:r>
+              <a:rPr lang="en-US" dirty="0" err="1"/>
+              <a:t>Các</a:t>
+            </a:r>
+            <a:r>
+              <a:rPr lang="en-US" dirty="0"/>
+              <a:t> </a:t>
+            </a:r>
+            <a:r>
+              <a:rPr lang="en-US" dirty="0" err="1"/>
+              <a:t>bạn</a:t>
+            </a:r>
+            <a:r>
+              <a:rPr lang="en-US" dirty="0"/>
+              <a:t> </a:t>
+            </a:r>
+            <a:r>
+              <a:rPr lang="en-US" dirty="0" err="1"/>
+              <a:t>đọc</a:t>
+            </a:r>
+            <a:r>
+              <a:rPr lang="en-US" dirty="0"/>
+              <a:t> </a:t>
+            </a:r>
+            <a:r>
+              <a:rPr lang="en-US" dirty="0" err="1"/>
+              <a:t>hướng</a:t>
+            </a:r>
+            <a:r>
+              <a:rPr lang="en-US" dirty="0"/>
+              <a:t> </a:t>
+            </a:r>
+            <a:r>
+              <a:rPr lang="en-US" dirty="0" err="1"/>
+              <a:t>dẫn</a:t>
+            </a:r>
+            <a:r>
+              <a:rPr lang="en-US" dirty="0"/>
+              <a:t> </a:t>
+            </a:r>
+            <a:r>
+              <a:rPr lang="en-US" dirty="0" err="1"/>
+              <a:t>tại</a:t>
+            </a:r>
+            <a:r>
+              <a:rPr lang="en-US" dirty="0"/>
+              <a:t> </a:t>
+            </a:r>
+            <a:r>
+              <a:rPr lang="en-US" dirty="0" err="1"/>
+              <a:t>đây</a:t>
+            </a:r>
+            <a:r>
+              <a:rPr lang="en-US" dirty="0"/>
+              <a:t>:</a:t>
+            </a:r>
+          </a:p>
+          <a:p>
+            <a:pPr lvl="1"/>
+            <a:r>
+              <a:rPr lang="en-US" dirty="0">
+                <a:hlinkClick r:id="rId2"/>
+              </a:rPr>
+              <a:t>https://github.com/phuthodien/android_embedded</a:t>
+            </a:r>
+            <a:endParaRPr lang="en-US" dirty="0"/>
+          </a:p>
+          <a:p>
+            <a:r>
+              <a:rPr lang="en-US" dirty="0"/>
+              <a:t>Link </a:t>
+            </a:r>
+            <a:r>
+              <a:rPr lang="en-US" dirty="0" err="1"/>
+              <a:t>tài</a:t>
+            </a:r>
+            <a:r>
+              <a:rPr lang="en-US" dirty="0"/>
+              <a:t> </a:t>
+            </a:r>
+            <a:r>
+              <a:rPr lang="en-US" dirty="0" err="1"/>
+              <a:t>liệu</a:t>
+            </a:r>
+            <a:r>
+              <a:rPr lang="en-US" dirty="0"/>
+              <a:t> </a:t>
+            </a:r>
+            <a:r>
+              <a:rPr lang="en-US" dirty="0" err="1"/>
+              <a:t>gốc</a:t>
+            </a:r>
+            <a:r>
+              <a:rPr lang="en-US" dirty="0"/>
+              <a:t> </a:t>
+            </a:r>
+            <a:r>
+              <a:rPr lang="en-US" dirty="0" err="1"/>
+              <a:t>hướng</a:t>
+            </a:r>
+            <a:r>
+              <a:rPr lang="en-US" dirty="0"/>
+              <a:t> </a:t>
+            </a:r>
+            <a:r>
+              <a:rPr lang="en-US" dirty="0" err="1"/>
+              <a:t>dẫn</a:t>
+            </a:r>
+            <a:r>
+              <a:rPr lang="en-US" dirty="0"/>
+              <a:t> build AOSP </a:t>
+            </a:r>
+            <a:r>
+              <a:rPr lang="en-US" dirty="0" err="1"/>
+              <a:t>cho</a:t>
+            </a:r>
+            <a:r>
+              <a:rPr lang="en-US" dirty="0"/>
+              <a:t> board Pi4:</a:t>
+            </a:r>
+          </a:p>
+          <a:p>
+            <a:pPr lvl="1"/>
+            <a:r>
+              <a:rPr lang="en-US" dirty="0">
+                <a:hlinkClick r:id="rId3"/>
+              </a:rPr>
+              <a:t>https://github.com/raspberry-vanilla/android_local_manifest/tree/android-13.0</a:t>
+            </a:r>
+            <a:endParaRPr lang="en-US" dirty="0"/>
+          </a:p>
+          <a:p>
+            <a:r>
+              <a:rPr lang="en-US" dirty="0"/>
+              <a:t>Khi </a:t>
+            </a:r>
+            <a:r>
+              <a:rPr lang="en-US" dirty="0" err="1"/>
+              <a:t>thực</a:t>
+            </a:r>
+            <a:r>
+              <a:rPr lang="en-US" dirty="0"/>
+              <a:t> </a:t>
+            </a:r>
+            <a:r>
+              <a:rPr lang="en-US" dirty="0" err="1"/>
+              <a:t>hiện</a:t>
+            </a:r>
+            <a:r>
+              <a:rPr lang="en-US" dirty="0"/>
+              <a:t> </a:t>
+            </a:r>
+            <a:r>
+              <a:rPr lang="en-US" dirty="0" err="1"/>
+              <a:t>cài</a:t>
+            </a:r>
+            <a:r>
+              <a:rPr lang="en-US" dirty="0"/>
+              <a:t> </a:t>
+            </a:r>
+            <a:r>
+              <a:rPr lang="en-US" dirty="0" err="1"/>
+              <a:t>đặt</a:t>
+            </a:r>
+            <a:r>
+              <a:rPr lang="en-US" dirty="0"/>
+              <a:t> </a:t>
+            </a:r>
+            <a:r>
+              <a:rPr lang="en-US" dirty="0" err="1"/>
+              <a:t>phần</a:t>
+            </a:r>
+            <a:r>
+              <a:rPr lang="en-US" dirty="0"/>
+              <a:t> </a:t>
+            </a:r>
+            <a:r>
+              <a:rPr lang="en-US" dirty="0" err="1"/>
+              <a:t>mềm</a:t>
+            </a:r>
+            <a:r>
+              <a:rPr lang="en-US" dirty="0"/>
+              <a:t> </a:t>
+            </a:r>
+            <a:r>
+              <a:rPr lang="en-US" dirty="0" err="1"/>
+              <a:t>bằng</a:t>
+            </a:r>
+            <a:r>
+              <a:rPr lang="en-US" dirty="0"/>
+              <a:t> </a:t>
+            </a:r>
+            <a:r>
+              <a:rPr lang="en-US" dirty="0" err="1"/>
+              <a:t>câu</a:t>
+            </a:r>
+            <a:r>
+              <a:rPr lang="en-US" dirty="0"/>
+              <a:t> </a:t>
+            </a:r>
+            <a:r>
+              <a:rPr lang="en-US" dirty="0" err="1"/>
+              <a:t>lệnh</a:t>
+            </a:r>
+            <a:r>
+              <a:rPr lang="en-US" dirty="0"/>
+              <a:t>, </a:t>
+            </a:r>
+            <a:r>
+              <a:rPr lang="en-US" dirty="0" err="1"/>
+              <a:t>các</a:t>
+            </a:r>
+            <a:r>
+              <a:rPr lang="en-US" dirty="0"/>
+              <a:t> </a:t>
+            </a:r>
+            <a:r>
+              <a:rPr lang="en-US" dirty="0" err="1"/>
+              <a:t>bạn</a:t>
+            </a:r>
+            <a:r>
+              <a:rPr lang="en-US" dirty="0"/>
+              <a:t> </a:t>
+            </a:r>
+            <a:r>
+              <a:rPr lang="en-US" dirty="0" err="1"/>
+              <a:t>nên</a:t>
+            </a:r>
+            <a:r>
+              <a:rPr lang="en-US" dirty="0"/>
+              <a:t> </a:t>
+            </a:r>
+            <a:r>
+              <a:rPr lang="en-US" dirty="0" err="1"/>
+              <a:t>cài</a:t>
+            </a:r>
+            <a:r>
+              <a:rPr lang="en-US" dirty="0"/>
+              <a:t> </a:t>
+            </a:r>
+            <a:r>
+              <a:rPr lang="en-US" dirty="0" err="1"/>
+              <a:t>từng</a:t>
+            </a:r>
+            <a:r>
+              <a:rPr lang="en-US" dirty="0"/>
+              <a:t> </a:t>
+            </a:r>
+            <a:r>
+              <a:rPr lang="en-US" dirty="0" err="1"/>
+              <a:t>phần</a:t>
+            </a:r>
+            <a:r>
+              <a:rPr lang="en-US" dirty="0"/>
+              <a:t> </a:t>
+            </a:r>
+            <a:r>
+              <a:rPr lang="en-US" dirty="0" err="1"/>
+              <a:t>mềm</a:t>
+            </a:r>
+            <a:r>
+              <a:rPr lang="en-US" dirty="0"/>
+              <a:t> </a:t>
+            </a:r>
+            <a:r>
+              <a:rPr lang="en-US" dirty="0" err="1"/>
+              <a:t>một</a:t>
+            </a:r>
+            <a:r>
+              <a:rPr lang="en-US" dirty="0"/>
+              <a:t>. Trong </a:t>
+            </a:r>
+            <a:r>
+              <a:rPr lang="en-US" dirty="0" err="1"/>
+              <a:t>trường</a:t>
+            </a:r>
+            <a:r>
+              <a:rPr lang="en-US" dirty="0"/>
+              <a:t> </a:t>
+            </a:r>
+            <a:r>
+              <a:rPr lang="en-US" dirty="0" err="1"/>
+              <a:t>hợp</a:t>
+            </a:r>
+            <a:r>
+              <a:rPr lang="en-US" dirty="0"/>
+              <a:t> </a:t>
+            </a:r>
+            <a:r>
+              <a:rPr lang="en-US" dirty="0" err="1"/>
+              <a:t>cài</a:t>
+            </a:r>
+            <a:r>
+              <a:rPr lang="en-US" dirty="0"/>
+              <a:t> </a:t>
+            </a:r>
+            <a:r>
+              <a:rPr lang="en-US" dirty="0" err="1"/>
+              <a:t>bị</a:t>
+            </a:r>
+            <a:r>
+              <a:rPr lang="en-US" dirty="0"/>
+              <a:t> </a:t>
+            </a:r>
+            <a:r>
+              <a:rPr lang="en-US" dirty="0" err="1"/>
+              <a:t>lỗi</a:t>
+            </a:r>
+            <a:r>
+              <a:rPr lang="en-US" dirty="0"/>
+              <a:t> </a:t>
+            </a:r>
+            <a:r>
+              <a:rPr lang="en-US" dirty="0" err="1"/>
+              <a:t>thì</a:t>
+            </a:r>
+            <a:r>
+              <a:rPr lang="en-US" dirty="0"/>
+              <a:t> </a:t>
+            </a:r>
+            <a:r>
+              <a:rPr lang="en-US" dirty="0" err="1"/>
+              <a:t>sẽ</a:t>
+            </a:r>
+            <a:r>
+              <a:rPr lang="en-US" dirty="0"/>
+              <a:t> </a:t>
+            </a:r>
+            <a:r>
+              <a:rPr lang="en-US" dirty="0" err="1"/>
+              <a:t>dễ</a:t>
+            </a:r>
+            <a:r>
+              <a:rPr lang="en-US" dirty="0"/>
+              <a:t> </a:t>
+            </a:r>
+            <a:r>
+              <a:rPr lang="en-US" dirty="0" err="1"/>
+              <a:t>sửa</a:t>
+            </a:r>
+            <a:r>
+              <a:rPr lang="en-US" dirty="0"/>
+              <a:t> </a:t>
+            </a:r>
+            <a:r>
+              <a:rPr lang="en-US" dirty="0" err="1"/>
+              <a:t>lỗi</a:t>
+            </a:r>
+            <a:r>
+              <a:rPr lang="en-US" dirty="0"/>
+              <a:t> </a:t>
+            </a:r>
+            <a:r>
+              <a:rPr lang="en-US" dirty="0" err="1"/>
+              <a:t>hơn</a:t>
+            </a:r>
+            <a:r>
+              <a:rPr lang="en-US" dirty="0"/>
+              <a:t>.</a:t>
+            </a:r>
           </a:p>
         </p:txBody>
       </p:sp>
@@ -4256,7 +4615,391 @@
           <a:bodyPr/>
           <a:lstStyle/>
           <a:p>
-            <a:endParaRPr lang="en-US"/>
+            <a:r>
+              <a:rPr lang="en-US" dirty="0"/>
+              <a:t>Repo</a:t>
+            </a:r>
+          </a:p>
+          <a:p>
+            <a:pPr lvl="1"/>
+            <a:r>
+              <a:rPr lang="en-US" dirty="0"/>
+              <a:t>Repo </a:t>
+            </a:r>
+            <a:r>
+              <a:rPr lang="en-US" dirty="0" err="1"/>
+              <a:t>là</a:t>
+            </a:r>
+            <a:r>
+              <a:rPr lang="en-US" dirty="0"/>
+              <a:t> </a:t>
+            </a:r>
+            <a:r>
+              <a:rPr lang="en-US" dirty="0" err="1"/>
+              <a:t>một</a:t>
+            </a:r>
+            <a:r>
+              <a:rPr lang="en-US" dirty="0"/>
+              <a:t> </a:t>
+            </a:r>
+            <a:r>
+              <a:rPr lang="en-US" dirty="0" err="1"/>
+              <a:t>công</a:t>
+            </a:r>
+            <a:r>
+              <a:rPr lang="en-US" dirty="0"/>
+              <a:t> </a:t>
+            </a:r>
+            <a:r>
+              <a:rPr lang="en-US" dirty="0" err="1"/>
+              <a:t>cụ</a:t>
+            </a:r>
+            <a:r>
+              <a:rPr lang="en-US" dirty="0"/>
+              <a:t> </a:t>
+            </a:r>
+            <a:r>
+              <a:rPr lang="en-US" dirty="0" err="1"/>
+              <a:t>cho</a:t>
+            </a:r>
+            <a:r>
+              <a:rPr lang="en-US" dirty="0"/>
+              <a:t> </a:t>
+            </a:r>
+            <a:r>
+              <a:rPr lang="en-US" dirty="0" err="1"/>
+              <a:t>phép</a:t>
+            </a:r>
+            <a:r>
+              <a:rPr lang="en-US" dirty="0"/>
+              <a:t> </a:t>
+            </a:r>
+            <a:r>
+              <a:rPr lang="en-US" dirty="0" err="1"/>
+              <a:t>tải</a:t>
+            </a:r>
+            <a:r>
+              <a:rPr lang="en-US" dirty="0"/>
+              <a:t> source code </a:t>
+            </a:r>
+            <a:r>
+              <a:rPr lang="en-US" dirty="0" err="1"/>
+              <a:t>từ</a:t>
+            </a:r>
+            <a:r>
+              <a:rPr lang="en-US" dirty="0"/>
+              <a:t> </a:t>
+            </a:r>
+            <a:r>
+              <a:rPr lang="en-US" dirty="0" err="1"/>
+              <a:t>trên</a:t>
+            </a:r>
+            <a:r>
+              <a:rPr lang="en-US" dirty="0"/>
+              <a:t> server </a:t>
+            </a:r>
+            <a:r>
+              <a:rPr lang="en-US" dirty="0" err="1"/>
+              <a:t>về</a:t>
+            </a:r>
+            <a:r>
+              <a:rPr lang="en-US" dirty="0"/>
+              <a:t> </a:t>
+            </a:r>
+            <a:r>
+              <a:rPr lang="en-US" dirty="0" err="1"/>
+              <a:t>giống</a:t>
+            </a:r>
+            <a:r>
+              <a:rPr lang="en-US" dirty="0"/>
+              <a:t> </a:t>
+            </a:r>
+            <a:r>
+              <a:rPr lang="en-US" dirty="0" err="1"/>
+              <a:t>như</a:t>
+            </a:r>
+            <a:r>
+              <a:rPr lang="en-US" dirty="0"/>
+              <a:t> Git. Do </a:t>
+            </a:r>
+            <a:r>
+              <a:rPr lang="en-US" dirty="0" err="1"/>
+              <a:t>bộ</a:t>
+            </a:r>
+            <a:r>
+              <a:rPr lang="en-US" dirty="0"/>
+              <a:t> code </a:t>
+            </a:r>
+            <a:r>
+              <a:rPr lang="en-US" dirty="0" err="1"/>
+              <a:t>nặng</a:t>
+            </a:r>
+            <a:r>
+              <a:rPr lang="en-US" dirty="0"/>
+              <a:t>, do </a:t>
+            </a:r>
+            <a:r>
+              <a:rPr lang="en-US" dirty="0" err="1"/>
+              <a:t>đó</a:t>
+            </a:r>
+            <a:r>
+              <a:rPr lang="en-US" dirty="0"/>
+              <a:t> </a:t>
+            </a:r>
+            <a:r>
+              <a:rPr lang="en-US" dirty="0" err="1"/>
+              <a:t>câu</a:t>
+            </a:r>
+            <a:r>
+              <a:rPr lang="en-US" dirty="0"/>
+              <a:t> </a:t>
+            </a:r>
+            <a:r>
+              <a:rPr lang="en-US" dirty="0" err="1"/>
+              <a:t>lệnh</a:t>
+            </a:r>
+            <a:r>
+              <a:rPr lang="en-US" dirty="0"/>
+              <a:t> repo sync </a:t>
+            </a:r>
+            <a:r>
+              <a:rPr lang="en-US" dirty="0" err="1"/>
+              <a:t>có</a:t>
+            </a:r>
+            <a:r>
+              <a:rPr lang="en-US" dirty="0"/>
+              <a:t> </a:t>
+            </a:r>
+            <a:r>
+              <a:rPr lang="en-US" dirty="0" err="1"/>
+              <a:t>thể</a:t>
+            </a:r>
+            <a:r>
+              <a:rPr lang="en-US" dirty="0"/>
+              <a:t> </a:t>
+            </a:r>
+            <a:r>
+              <a:rPr lang="en-US" dirty="0" err="1"/>
+              <a:t>cần</a:t>
+            </a:r>
+            <a:r>
+              <a:rPr lang="en-US" dirty="0"/>
+              <a:t> 7 – 8 </a:t>
+            </a:r>
+            <a:r>
+              <a:rPr lang="en-US" dirty="0" err="1"/>
+              <a:t>tiếng</a:t>
+            </a:r>
+            <a:r>
+              <a:rPr lang="en-US" dirty="0"/>
+              <a:t> </a:t>
+            </a:r>
+            <a:r>
+              <a:rPr lang="en-US" dirty="0" err="1"/>
+              <a:t>để</a:t>
+            </a:r>
+            <a:r>
+              <a:rPr lang="en-US" dirty="0"/>
+              <a:t> </a:t>
+            </a:r>
+            <a:r>
+              <a:rPr lang="en-US" dirty="0" err="1"/>
+              <a:t>hoàn</a:t>
+            </a:r>
+            <a:r>
+              <a:rPr lang="en-US" dirty="0"/>
+              <a:t> </a:t>
+            </a:r>
+            <a:r>
+              <a:rPr lang="en-US" dirty="0" err="1"/>
+              <a:t>thành</a:t>
+            </a:r>
+            <a:r>
+              <a:rPr lang="en-US" dirty="0"/>
+              <a:t>.</a:t>
+            </a:r>
+          </a:p>
+          <a:p>
+            <a:pPr lvl="2"/>
+            <a:r>
+              <a:rPr lang="en-US" dirty="0" err="1"/>
+              <a:t>Nếu</a:t>
+            </a:r>
+            <a:r>
+              <a:rPr lang="en-US" dirty="0"/>
+              <a:t> repo sync </a:t>
+            </a:r>
+            <a:r>
+              <a:rPr lang="en-US" dirty="0" err="1"/>
+              <a:t>bị</a:t>
+            </a:r>
+            <a:r>
+              <a:rPr lang="en-US" dirty="0"/>
+              <a:t> </a:t>
+            </a:r>
+            <a:r>
+              <a:rPr lang="en-US" dirty="0" err="1"/>
+              <a:t>lỗi</a:t>
+            </a:r>
+            <a:r>
+              <a:rPr lang="en-US" dirty="0"/>
+              <a:t> </a:t>
+            </a:r>
+            <a:r>
+              <a:rPr lang="en-US" dirty="0" err="1"/>
+              <a:t>giữa</a:t>
+            </a:r>
+            <a:r>
+              <a:rPr lang="en-US" dirty="0"/>
+              <a:t> </a:t>
+            </a:r>
+            <a:r>
+              <a:rPr lang="en-US" dirty="0" err="1"/>
+              <a:t>chừng</a:t>
+            </a:r>
+            <a:r>
+              <a:rPr lang="en-US" dirty="0"/>
+              <a:t> </a:t>
+            </a:r>
+            <a:r>
+              <a:rPr lang="en-US" dirty="0" err="1"/>
+              <a:t>thì</a:t>
+            </a:r>
+            <a:r>
+              <a:rPr lang="en-US" dirty="0"/>
+              <a:t> </a:t>
+            </a:r>
+            <a:r>
+              <a:rPr lang="en-US" dirty="0" err="1"/>
+              <a:t>nên</a:t>
+            </a:r>
+            <a:r>
+              <a:rPr lang="en-US" dirty="0"/>
+              <a:t> </a:t>
+            </a:r>
+            <a:r>
+              <a:rPr lang="en-US" dirty="0" err="1"/>
+              <a:t>xóa</a:t>
+            </a:r>
+            <a:r>
+              <a:rPr lang="en-US" dirty="0"/>
+              <a:t> </a:t>
+            </a:r>
+            <a:r>
+              <a:rPr lang="en-US" dirty="0" err="1"/>
+              <a:t>hết</a:t>
+            </a:r>
+            <a:r>
+              <a:rPr lang="en-US" dirty="0"/>
+              <a:t> source code </a:t>
+            </a:r>
+            <a:r>
+              <a:rPr lang="en-US" dirty="0" err="1"/>
+              <a:t>đi</a:t>
+            </a:r>
+            <a:r>
+              <a:rPr lang="en-US" dirty="0"/>
+              <a:t> </a:t>
+            </a:r>
+            <a:r>
+              <a:rPr lang="en-US" dirty="0" err="1"/>
+              <a:t>và</a:t>
+            </a:r>
+            <a:r>
+              <a:rPr lang="en-US" dirty="0"/>
+              <a:t> sync </a:t>
+            </a:r>
+            <a:r>
+              <a:rPr lang="en-US" dirty="0" err="1"/>
+              <a:t>lại</a:t>
+            </a:r>
+            <a:r>
+              <a:rPr lang="en-US" dirty="0"/>
+              <a:t> </a:t>
+            </a:r>
+            <a:r>
+              <a:rPr lang="en-US" dirty="0" err="1"/>
+              <a:t>từ</a:t>
+            </a:r>
+            <a:r>
+              <a:rPr lang="en-US" dirty="0"/>
+              <a:t> </a:t>
+            </a:r>
+            <a:r>
+              <a:rPr lang="en-US" dirty="0" err="1"/>
+              <a:t>đầu</a:t>
+            </a:r>
+            <a:r>
+              <a:rPr lang="en-US" dirty="0"/>
+              <a:t>.</a:t>
+            </a:r>
+          </a:p>
+          <a:p>
+            <a:pPr lvl="1"/>
+            <a:r>
+              <a:rPr lang="en-US" dirty="0" err="1"/>
+              <a:t>Quá</a:t>
+            </a:r>
+            <a:r>
+              <a:rPr lang="en-US" dirty="0"/>
+              <a:t> </a:t>
+            </a:r>
+            <a:r>
+              <a:rPr lang="en-US" dirty="0" err="1"/>
+              <a:t>trình</a:t>
+            </a:r>
+            <a:r>
+              <a:rPr lang="en-US" dirty="0"/>
+              <a:t> build </a:t>
+            </a:r>
+            <a:r>
+              <a:rPr lang="en-US" dirty="0" err="1"/>
+              <a:t>cần</a:t>
+            </a:r>
+            <a:r>
+              <a:rPr lang="en-US" dirty="0"/>
+              <a:t> </a:t>
+            </a:r>
+            <a:r>
+              <a:rPr lang="en-US" dirty="0" err="1"/>
+              <a:t>khoảng</a:t>
+            </a:r>
+            <a:r>
+              <a:rPr lang="en-US" dirty="0"/>
+              <a:t> 4 – 5 </a:t>
+            </a:r>
+            <a:r>
+              <a:rPr lang="en-US" dirty="0" err="1"/>
+              <a:t>tiếng</a:t>
+            </a:r>
+            <a:r>
+              <a:rPr lang="en-US" dirty="0"/>
+              <a:t> </a:t>
+            </a:r>
+            <a:r>
+              <a:rPr lang="en-US" dirty="0" err="1"/>
+              <a:t>để</a:t>
+            </a:r>
+            <a:r>
+              <a:rPr lang="en-US" dirty="0"/>
+              <a:t> </a:t>
+            </a:r>
+            <a:r>
+              <a:rPr lang="en-US" dirty="0" err="1"/>
+              <a:t>hoàn</a:t>
+            </a:r>
+            <a:r>
+              <a:rPr lang="en-US" dirty="0"/>
+              <a:t> </a:t>
+            </a:r>
+            <a:r>
+              <a:rPr lang="en-US" dirty="0" err="1"/>
+              <a:t>thành</a:t>
+            </a:r>
+            <a:r>
+              <a:rPr lang="en-US" dirty="0"/>
+              <a:t>. </a:t>
+            </a:r>
           </a:p>
         </p:txBody>
       </p:sp>
@@ -4398,7 +5141,162 @@
           <a:bodyPr/>
           <a:lstStyle/>
           <a:p>
-            <a:endParaRPr lang="en-US"/>
+            <a:r>
+              <a:rPr lang="en-US" dirty="0"/>
+              <a:t>Ở </a:t>
+            </a:r>
+            <a:r>
+              <a:rPr lang="en-US" dirty="0" err="1"/>
+              <a:t>bước</a:t>
+            </a:r>
+            <a:r>
+              <a:rPr lang="en-US" dirty="0"/>
+              <a:t> </a:t>
+            </a:r>
+            <a:r>
+              <a:rPr lang="en-US" dirty="0" err="1"/>
+              <a:t>nạp</a:t>
+            </a:r>
+            <a:r>
+              <a:rPr lang="en-US" dirty="0"/>
+              <a:t> </a:t>
+            </a:r>
+            <a:r>
+              <a:rPr lang="en-US" dirty="0" err="1"/>
+              <a:t>thẻ</a:t>
+            </a:r>
+            <a:r>
+              <a:rPr lang="en-US" dirty="0"/>
+              <a:t> </a:t>
+            </a:r>
+            <a:r>
+              <a:rPr lang="en-US" dirty="0" err="1"/>
+              <a:t>các</a:t>
+            </a:r>
+            <a:r>
+              <a:rPr lang="en-US" dirty="0"/>
+              <a:t> </a:t>
+            </a:r>
+            <a:r>
+              <a:rPr lang="en-US" dirty="0" err="1"/>
+              <a:t>bạn</a:t>
+            </a:r>
+            <a:r>
+              <a:rPr lang="en-US" dirty="0"/>
+              <a:t> </a:t>
+            </a:r>
+            <a:r>
+              <a:rPr lang="en-US" dirty="0" err="1"/>
+              <a:t>phải</a:t>
+            </a:r>
+            <a:r>
+              <a:rPr lang="en-US" dirty="0"/>
+              <a:t> </a:t>
+            </a:r>
+            <a:r>
+              <a:rPr lang="en-US" dirty="0" err="1"/>
+              <a:t>thay</a:t>
+            </a:r>
+            <a:r>
+              <a:rPr lang="en-US" dirty="0"/>
+              <a:t> </a:t>
+            </a:r>
+            <a:r>
+              <a:rPr lang="en-US" dirty="0" err="1"/>
+              <a:t>đổi</a:t>
+            </a:r>
+            <a:r>
+              <a:rPr lang="en-US" dirty="0"/>
+              <a:t> </a:t>
+            </a:r>
+            <a:r>
+              <a:rPr lang="en-US" dirty="0" err="1"/>
+              <a:t>chown</a:t>
+            </a:r>
+            <a:r>
+              <a:rPr lang="en-US" dirty="0"/>
+              <a:t> </a:t>
+            </a:r>
+            <a:r>
+              <a:rPr lang="en-US" dirty="0" err="1"/>
+              <a:t>cho</a:t>
+            </a:r>
+            <a:r>
+              <a:rPr lang="en-US" dirty="0"/>
+              <a:t> file image </a:t>
+            </a:r>
+            <a:r>
+              <a:rPr lang="en-US" dirty="0" err="1"/>
+              <a:t>nếu</a:t>
+            </a:r>
+            <a:r>
+              <a:rPr lang="en-US" dirty="0"/>
+              <a:t> </a:t>
+            </a:r>
+            <a:r>
+              <a:rPr lang="en-US" dirty="0" err="1"/>
+              <a:t>không</a:t>
+            </a:r>
+            <a:r>
+              <a:rPr lang="en-US" dirty="0"/>
+              <a:t> </a:t>
+            </a:r>
+            <a:r>
+              <a:rPr lang="en-US" dirty="0" err="1"/>
+              <a:t>quá</a:t>
+            </a:r>
+            <a:r>
+              <a:rPr lang="en-US" dirty="0"/>
+              <a:t> </a:t>
+            </a:r>
+            <a:r>
+              <a:rPr lang="en-US" dirty="0" err="1"/>
+              <a:t>trình</a:t>
+            </a:r>
+            <a:r>
+              <a:rPr lang="en-US" dirty="0"/>
+              <a:t> </a:t>
+            </a:r>
+            <a:r>
+              <a:rPr lang="en-US" dirty="0" err="1"/>
+              <a:t>ghi</a:t>
+            </a:r>
+            <a:r>
+              <a:rPr lang="en-US" dirty="0"/>
+              <a:t> </a:t>
+            </a:r>
+            <a:r>
+              <a:rPr lang="en-US" dirty="0" err="1"/>
+              <a:t>có</a:t>
+            </a:r>
+            <a:r>
+              <a:rPr lang="en-US" dirty="0"/>
+              <a:t> </a:t>
+            </a:r>
+            <a:r>
+              <a:rPr lang="en-US" dirty="0" err="1"/>
+              <a:t>thể</a:t>
+            </a:r>
+            <a:r>
+              <a:rPr lang="en-US" dirty="0"/>
+              <a:t> </a:t>
+            </a:r>
+            <a:r>
+              <a:rPr lang="en-US" dirty="0" err="1"/>
+              <a:t>bị</a:t>
+            </a:r>
+            <a:r>
+              <a:rPr lang="en-US" dirty="0"/>
+              <a:t> </a:t>
+            </a:r>
+            <a:r>
+              <a:rPr lang="en-US" dirty="0" err="1"/>
+              <a:t>lỗi</a:t>
+            </a:r>
+            <a:r>
+              <a:rPr lang="en-US" dirty="0"/>
+              <a:t>.</a:t>
+            </a:r>
           </a:p>
         </p:txBody>
       </p:sp>
